--- a/ppt 16-9/0614.心曲.pptx
+++ b/ppt 16-9/0614.心曲.pptx
@@ -5,7 +5,7 @@
     <p:sldMasterId id="2147483648" r:id="rId1"/>
   </p:sldMasterIdLst>
   <p:sldIdLst>
-    <p:sldId id="2403" r:id="rId2"/>
+    <p:sldId id="5392" r:id="rId2"/>
   </p:sldIdLst>
   <p:sldSz cx="12192000" cy="6858000"/>
   <p:notesSz cx="6858000" cy="9144000"/>
@@ -129,7 +129,7 @@
           <p:cNvPr id="2" name="标题 1">
             <a:extLst>
               <a:ext uri="{FF2B5EF4-FFF2-40B4-BE49-F238E27FC236}">
-                <a16:creationId xmlns:a16="http://schemas.microsoft.com/office/drawing/2014/main" id="{CE3E0476-D2CC-5693-B906-B9635C72D9AE}"/>
+                <a16:creationId xmlns:a16="http://schemas.microsoft.com/office/drawing/2014/main" id="{A29E85FB-815C-6068-06F6-667851FA7A17}"/>
               </a:ext>
             </a:extLst>
           </p:cNvPr>
@@ -166,7 +166,7 @@
           <p:cNvPr id="3" name="副标题 2">
             <a:extLst>
               <a:ext uri="{FF2B5EF4-FFF2-40B4-BE49-F238E27FC236}">
-                <a16:creationId xmlns:a16="http://schemas.microsoft.com/office/drawing/2014/main" id="{3269E594-B6FB-825D-8E04-639C39A0E42E}"/>
+                <a16:creationId xmlns:a16="http://schemas.microsoft.com/office/drawing/2014/main" id="{D2ECA716-8500-FD0B-5552-B500E1B5F6C7}"/>
               </a:ext>
             </a:extLst>
           </p:cNvPr>
@@ -236,7 +236,7 @@
           <p:cNvPr id="4" name="日期占位符 3">
             <a:extLst>
               <a:ext uri="{FF2B5EF4-FFF2-40B4-BE49-F238E27FC236}">
-                <a16:creationId xmlns:a16="http://schemas.microsoft.com/office/drawing/2014/main" id="{3CA692CA-58E7-050E-462C-FD579A6F12CA}"/>
+                <a16:creationId xmlns:a16="http://schemas.microsoft.com/office/drawing/2014/main" id="{2982A0FE-F157-9750-D488-6B3E32FC0A74}"/>
               </a:ext>
             </a:extLst>
           </p:cNvPr>
@@ -252,7 +252,7 @@
           <a:bodyPr/>
           <a:lstStyle/>
           <a:p>
-            <a:fld id="{DBA37428-93A1-4958-BB02-7785E520D01C}" type="datetimeFigureOut">
+            <a:fld id="{C7AA074F-4BC7-45D2-8BB5-7189F6C0EE72}" type="datetimeFigureOut">
               <a:rPr lang="zh-CN" altLang="en-US" smtClean="0"/>
               <a:t>2024/3/10</a:t>
             </a:fld>
@@ -265,7 +265,7 @@
           <p:cNvPr id="5" name="页脚占位符 4">
             <a:extLst>
               <a:ext uri="{FF2B5EF4-FFF2-40B4-BE49-F238E27FC236}">
-                <a16:creationId xmlns:a16="http://schemas.microsoft.com/office/drawing/2014/main" id="{2295E3A4-33AC-8631-4E7F-98948CBA11AD}"/>
+                <a16:creationId xmlns:a16="http://schemas.microsoft.com/office/drawing/2014/main" id="{5BC9BFCB-9D72-4E07-5EE1-22294243303A}"/>
               </a:ext>
             </a:extLst>
           </p:cNvPr>
@@ -290,7 +290,7 @@
           <p:cNvPr id="6" name="灯片编号占位符 5">
             <a:extLst>
               <a:ext uri="{FF2B5EF4-FFF2-40B4-BE49-F238E27FC236}">
-                <a16:creationId xmlns:a16="http://schemas.microsoft.com/office/drawing/2014/main" id="{5D2DBBD8-9C2D-A199-99D9-BB09DC235493}"/>
+                <a16:creationId xmlns:a16="http://schemas.microsoft.com/office/drawing/2014/main" id="{8153ADE1-491F-3C02-4A52-BCA62B9B140B}"/>
               </a:ext>
             </a:extLst>
           </p:cNvPr>
@@ -306,7 +306,7 @@
           <a:bodyPr/>
           <a:lstStyle/>
           <a:p>
-            <a:fld id="{99252712-0081-449C-82B0-702DAE9626A3}" type="slidenum">
+            <a:fld id="{4D036594-B329-4EB6-917E-70AF2DA4F083}" type="slidenum">
               <a:rPr lang="zh-CN" altLang="en-US" smtClean="0"/>
               <a:t>‹#›</a:t>
             </a:fld>
@@ -317,7 +317,7 @@
     </p:spTree>
     <p:extLst>
       <p:ext uri="{BB962C8B-B14F-4D97-AF65-F5344CB8AC3E}">
-        <p14:creationId xmlns:p14="http://schemas.microsoft.com/office/powerpoint/2010/main" val="3575112612"/>
+        <p14:creationId xmlns:p14="http://schemas.microsoft.com/office/powerpoint/2010/main" val="3895674361"/>
       </p:ext>
     </p:extLst>
   </p:cSld>
@@ -349,7 +349,7 @@
           <p:cNvPr id="2" name="标题 1">
             <a:extLst>
               <a:ext uri="{FF2B5EF4-FFF2-40B4-BE49-F238E27FC236}">
-                <a16:creationId xmlns:a16="http://schemas.microsoft.com/office/drawing/2014/main" id="{BEE6DC22-8B88-52AB-FE99-40A29B6ADEFD}"/>
+                <a16:creationId xmlns:a16="http://schemas.microsoft.com/office/drawing/2014/main" id="{B52275E2-715B-93B3-773F-F389879880EB}"/>
               </a:ext>
             </a:extLst>
           </p:cNvPr>
@@ -377,7 +377,7 @@
           <p:cNvPr id="3" name="竖排文字占位符 2">
             <a:extLst>
               <a:ext uri="{FF2B5EF4-FFF2-40B4-BE49-F238E27FC236}">
-                <a16:creationId xmlns:a16="http://schemas.microsoft.com/office/drawing/2014/main" id="{0D97E8DF-7012-B5C6-D653-EEC63657F2D5}"/>
+                <a16:creationId xmlns:a16="http://schemas.microsoft.com/office/drawing/2014/main" id="{F08D6D36-5B1F-61B3-B96B-7271B349B9C7}"/>
               </a:ext>
             </a:extLst>
           </p:cNvPr>
@@ -434,7 +434,7 @@
           <p:cNvPr id="4" name="日期占位符 3">
             <a:extLst>
               <a:ext uri="{FF2B5EF4-FFF2-40B4-BE49-F238E27FC236}">
-                <a16:creationId xmlns:a16="http://schemas.microsoft.com/office/drawing/2014/main" id="{29CC7B65-1300-7D15-8910-FDDCBEB70167}"/>
+                <a16:creationId xmlns:a16="http://schemas.microsoft.com/office/drawing/2014/main" id="{64E8AA89-6220-633F-6C03-C6C347CE6A5B}"/>
               </a:ext>
             </a:extLst>
           </p:cNvPr>
@@ -450,7 +450,7 @@
           <a:bodyPr/>
           <a:lstStyle/>
           <a:p>
-            <a:fld id="{DBA37428-93A1-4958-BB02-7785E520D01C}" type="datetimeFigureOut">
+            <a:fld id="{C7AA074F-4BC7-45D2-8BB5-7189F6C0EE72}" type="datetimeFigureOut">
               <a:rPr lang="zh-CN" altLang="en-US" smtClean="0"/>
               <a:t>2024/3/10</a:t>
             </a:fld>
@@ -463,7 +463,7 @@
           <p:cNvPr id="5" name="页脚占位符 4">
             <a:extLst>
               <a:ext uri="{FF2B5EF4-FFF2-40B4-BE49-F238E27FC236}">
-                <a16:creationId xmlns:a16="http://schemas.microsoft.com/office/drawing/2014/main" id="{390579C0-3E0D-505E-7A1C-18F0050BFEE8}"/>
+                <a16:creationId xmlns:a16="http://schemas.microsoft.com/office/drawing/2014/main" id="{39655B0C-3718-00E6-FA19-64B93A004ED4}"/>
               </a:ext>
             </a:extLst>
           </p:cNvPr>
@@ -488,7 +488,7 @@
           <p:cNvPr id="6" name="灯片编号占位符 5">
             <a:extLst>
               <a:ext uri="{FF2B5EF4-FFF2-40B4-BE49-F238E27FC236}">
-                <a16:creationId xmlns:a16="http://schemas.microsoft.com/office/drawing/2014/main" id="{671E1314-9572-A3A2-893D-85CD16953976}"/>
+                <a16:creationId xmlns:a16="http://schemas.microsoft.com/office/drawing/2014/main" id="{9C9E1FD4-2020-A550-C5F1-DF66D2138AB0}"/>
               </a:ext>
             </a:extLst>
           </p:cNvPr>
@@ -504,7 +504,7 @@
           <a:bodyPr/>
           <a:lstStyle/>
           <a:p>
-            <a:fld id="{99252712-0081-449C-82B0-702DAE9626A3}" type="slidenum">
+            <a:fld id="{4D036594-B329-4EB6-917E-70AF2DA4F083}" type="slidenum">
               <a:rPr lang="zh-CN" altLang="en-US" smtClean="0"/>
               <a:t>‹#›</a:t>
             </a:fld>
@@ -515,7 +515,7 @@
     </p:spTree>
     <p:extLst>
       <p:ext uri="{BB962C8B-B14F-4D97-AF65-F5344CB8AC3E}">
-        <p14:creationId xmlns:p14="http://schemas.microsoft.com/office/powerpoint/2010/main" val="4243504948"/>
+        <p14:creationId xmlns:p14="http://schemas.microsoft.com/office/powerpoint/2010/main" val="3811601418"/>
       </p:ext>
     </p:extLst>
   </p:cSld>
@@ -547,7 +547,7 @@
           <p:cNvPr id="2" name="竖排标题 1">
             <a:extLst>
               <a:ext uri="{FF2B5EF4-FFF2-40B4-BE49-F238E27FC236}">
-                <a16:creationId xmlns:a16="http://schemas.microsoft.com/office/drawing/2014/main" id="{43947754-0B56-37CF-5EB2-F82A7029F38D}"/>
+                <a16:creationId xmlns:a16="http://schemas.microsoft.com/office/drawing/2014/main" id="{E73A9EC7-D43D-0911-2FC9-23CA867AC4D3}"/>
               </a:ext>
             </a:extLst>
           </p:cNvPr>
@@ -580,7 +580,7 @@
           <p:cNvPr id="3" name="竖排文字占位符 2">
             <a:extLst>
               <a:ext uri="{FF2B5EF4-FFF2-40B4-BE49-F238E27FC236}">
-                <a16:creationId xmlns:a16="http://schemas.microsoft.com/office/drawing/2014/main" id="{77CF6F75-E409-7D0E-AC8F-3EF1C0DE5A07}"/>
+                <a16:creationId xmlns:a16="http://schemas.microsoft.com/office/drawing/2014/main" id="{D2BE1685-A77A-888A-B9F6-7DCF173D72EC}"/>
               </a:ext>
             </a:extLst>
           </p:cNvPr>
@@ -642,7 +642,7 @@
           <p:cNvPr id="4" name="日期占位符 3">
             <a:extLst>
               <a:ext uri="{FF2B5EF4-FFF2-40B4-BE49-F238E27FC236}">
-                <a16:creationId xmlns:a16="http://schemas.microsoft.com/office/drawing/2014/main" id="{D2A9C7E9-5C71-7C54-EF20-4D61F58E05C8}"/>
+                <a16:creationId xmlns:a16="http://schemas.microsoft.com/office/drawing/2014/main" id="{95A2DB2B-FE71-CBD3-BB75-625564DF91E9}"/>
               </a:ext>
             </a:extLst>
           </p:cNvPr>
@@ -658,7 +658,7 @@
           <a:bodyPr/>
           <a:lstStyle/>
           <a:p>
-            <a:fld id="{DBA37428-93A1-4958-BB02-7785E520D01C}" type="datetimeFigureOut">
+            <a:fld id="{C7AA074F-4BC7-45D2-8BB5-7189F6C0EE72}" type="datetimeFigureOut">
               <a:rPr lang="zh-CN" altLang="en-US" smtClean="0"/>
               <a:t>2024/3/10</a:t>
             </a:fld>
@@ -671,7 +671,7 @@
           <p:cNvPr id="5" name="页脚占位符 4">
             <a:extLst>
               <a:ext uri="{FF2B5EF4-FFF2-40B4-BE49-F238E27FC236}">
-                <a16:creationId xmlns:a16="http://schemas.microsoft.com/office/drawing/2014/main" id="{C2C130BF-77FE-5161-390E-82B100B0267E}"/>
+                <a16:creationId xmlns:a16="http://schemas.microsoft.com/office/drawing/2014/main" id="{656768C1-11D4-AA89-E923-4F5AA55370CB}"/>
               </a:ext>
             </a:extLst>
           </p:cNvPr>
@@ -696,7 +696,7 @@
           <p:cNvPr id="6" name="灯片编号占位符 5">
             <a:extLst>
               <a:ext uri="{FF2B5EF4-FFF2-40B4-BE49-F238E27FC236}">
-                <a16:creationId xmlns:a16="http://schemas.microsoft.com/office/drawing/2014/main" id="{9B1EB887-A90A-83E7-84E8-D82BE3580466}"/>
+                <a16:creationId xmlns:a16="http://schemas.microsoft.com/office/drawing/2014/main" id="{BCA5FDC2-B6E9-AF1A-8B46-15F1D9AB66A7}"/>
               </a:ext>
             </a:extLst>
           </p:cNvPr>
@@ -712,7 +712,7 @@
           <a:bodyPr/>
           <a:lstStyle/>
           <a:p>
-            <a:fld id="{99252712-0081-449C-82B0-702DAE9626A3}" type="slidenum">
+            <a:fld id="{4D036594-B329-4EB6-917E-70AF2DA4F083}" type="slidenum">
               <a:rPr lang="zh-CN" altLang="en-US" smtClean="0"/>
               <a:t>‹#›</a:t>
             </a:fld>
@@ -723,7 +723,7 @@
     </p:spTree>
     <p:extLst>
       <p:ext uri="{BB962C8B-B14F-4D97-AF65-F5344CB8AC3E}">
-        <p14:creationId xmlns:p14="http://schemas.microsoft.com/office/powerpoint/2010/main" val="2161083765"/>
+        <p14:creationId xmlns:p14="http://schemas.microsoft.com/office/powerpoint/2010/main" val="2820803731"/>
       </p:ext>
     </p:extLst>
   </p:cSld>
@@ -755,7 +755,7 @@
           <p:cNvPr id="2" name="标题 1">
             <a:extLst>
               <a:ext uri="{FF2B5EF4-FFF2-40B4-BE49-F238E27FC236}">
-                <a16:creationId xmlns:a16="http://schemas.microsoft.com/office/drawing/2014/main" id="{DFC327A5-C626-2F12-58B4-672595EF9015}"/>
+                <a16:creationId xmlns:a16="http://schemas.microsoft.com/office/drawing/2014/main" id="{A4115F0D-309F-494E-6B72-30EED1EE477B}"/>
               </a:ext>
             </a:extLst>
           </p:cNvPr>
@@ -783,7 +783,7 @@
           <p:cNvPr id="3" name="内容占位符 2">
             <a:extLst>
               <a:ext uri="{FF2B5EF4-FFF2-40B4-BE49-F238E27FC236}">
-                <a16:creationId xmlns:a16="http://schemas.microsoft.com/office/drawing/2014/main" id="{5E9562BD-3C94-DD8C-702D-E787DBB97738}"/>
+                <a16:creationId xmlns:a16="http://schemas.microsoft.com/office/drawing/2014/main" id="{F388E409-565E-C0B3-7B2D-F77946D734F6}"/>
               </a:ext>
             </a:extLst>
           </p:cNvPr>
@@ -840,7 +840,7 @@
           <p:cNvPr id="4" name="日期占位符 3">
             <a:extLst>
               <a:ext uri="{FF2B5EF4-FFF2-40B4-BE49-F238E27FC236}">
-                <a16:creationId xmlns:a16="http://schemas.microsoft.com/office/drawing/2014/main" id="{AAA9F6E1-263A-296C-6BEF-6293EB4ED0F1}"/>
+                <a16:creationId xmlns:a16="http://schemas.microsoft.com/office/drawing/2014/main" id="{471902A5-6CCC-69BA-8D7C-2853B4E1E62F}"/>
               </a:ext>
             </a:extLst>
           </p:cNvPr>
@@ -856,7 +856,7 @@
           <a:bodyPr/>
           <a:lstStyle/>
           <a:p>
-            <a:fld id="{DBA37428-93A1-4958-BB02-7785E520D01C}" type="datetimeFigureOut">
+            <a:fld id="{C7AA074F-4BC7-45D2-8BB5-7189F6C0EE72}" type="datetimeFigureOut">
               <a:rPr lang="zh-CN" altLang="en-US" smtClean="0"/>
               <a:t>2024/3/10</a:t>
             </a:fld>
@@ -869,7 +869,7 @@
           <p:cNvPr id="5" name="页脚占位符 4">
             <a:extLst>
               <a:ext uri="{FF2B5EF4-FFF2-40B4-BE49-F238E27FC236}">
-                <a16:creationId xmlns:a16="http://schemas.microsoft.com/office/drawing/2014/main" id="{6CD0C705-D1FA-05CA-BE9B-824A851A1E6F}"/>
+                <a16:creationId xmlns:a16="http://schemas.microsoft.com/office/drawing/2014/main" id="{53F28158-C60E-4B21-CE9A-8FD2E2138FEE}"/>
               </a:ext>
             </a:extLst>
           </p:cNvPr>
@@ -894,7 +894,7 @@
           <p:cNvPr id="6" name="灯片编号占位符 5">
             <a:extLst>
               <a:ext uri="{FF2B5EF4-FFF2-40B4-BE49-F238E27FC236}">
-                <a16:creationId xmlns:a16="http://schemas.microsoft.com/office/drawing/2014/main" id="{E311D09A-25CA-98BA-D015-06B9E6E39E4D}"/>
+                <a16:creationId xmlns:a16="http://schemas.microsoft.com/office/drawing/2014/main" id="{07B2FEA5-A0DC-890B-E8F0-2BECD90BECA0}"/>
               </a:ext>
             </a:extLst>
           </p:cNvPr>
@@ -910,7 +910,7 @@
           <a:bodyPr/>
           <a:lstStyle/>
           <a:p>
-            <a:fld id="{99252712-0081-449C-82B0-702DAE9626A3}" type="slidenum">
+            <a:fld id="{4D036594-B329-4EB6-917E-70AF2DA4F083}" type="slidenum">
               <a:rPr lang="zh-CN" altLang="en-US" smtClean="0"/>
               <a:t>‹#›</a:t>
             </a:fld>
@@ -921,7 +921,7 @@
     </p:spTree>
     <p:extLst>
       <p:ext uri="{BB962C8B-B14F-4D97-AF65-F5344CB8AC3E}">
-        <p14:creationId xmlns:p14="http://schemas.microsoft.com/office/powerpoint/2010/main" val="316935446"/>
+        <p14:creationId xmlns:p14="http://schemas.microsoft.com/office/powerpoint/2010/main" val="397073800"/>
       </p:ext>
     </p:extLst>
   </p:cSld>
@@ -953,7 +953,7 @@
           <p:cNvPr id="2" name="标题 1">
             <a:extLst>
               <a:ext uri="{FF2B5EF4-FFF2-40B4-BE49-F238E27FC236}">
-                <a16:creationId xmlns:a16="http://schemas.microsoft.com/office/drawing/2014/main" id="{7553A4D2-2097-64A2-4DA8-854D58D965A6}"/>
+                <a16:creationId xmlns:a16="http://schemas.microsoft.com/office/drawing/2014/main" id="{8048F4E7-9EFE-3346-CF61-D1A0A99DF030}"/>
               </a:ext>
             </a:extLst>
           </p:cNvPr>
@@ -990,7 +990,7 @@
           <p:cNvPr id="3" name="文本占位符 2">
             <a:extLst>
               <a:ext uri="{FF2B5EF4-FFF2-40B4-BE49-F238E27FC236}">
-                <a16:creationId xmlns:a16="http://schemas.microsoft.com/office/drawing/2014/main" id="{D4F49ADA-A22A-5835-183B-0C51E27F50FD}"/>
+                <a16:creationId xmlns:a16="http://schemas.microsoft.com/office/drawing/2014/main" id="{FA7A2849-20D0-C535-682B-F03B8E154BB8}"/>
               </a:ext>
             </a:extLst>
           </p:cNvPr>
@@ -1115,7 +1115,7 @@
           <p:cNvPr id="4" name="日期占位符 3">
             <a:extLst>
               <a:ext uri="{FF2B5EF4-FFF2-40B4-BE49-F238E27FC236}">
-                <a16:creationId xmlns:a16="http://schemas.microsoft.com/office/drawing/2014/main" id="{DD31C93E-42E2-2306-09F4-BE104C46544A}"/>
+                <a16:creationId xmlns:a16="http://schemas.microsoft.com/office/drawing/2014/main" id="{57BD777B-EA91-7692-32D1-665D7DA9402E}"/>
               </a:ext>
             </a:extLst>
           </p:cNvPr>
@@ -1131,7 +1131,7 @@
           <a:bodyPr/>
           <a:lstStyle/>
           <a:p>
-            <a:fld id="{DBA37428-93A1-4958-BB02-7785E520D01C}" type="datetimeFigureOut">
+            <a:fld id="{C7AA074F-4BC7-45D2-8BB5-7189F6C0EE72}" type="datetimeFigureOut">
               <a:rPr lang="zh-CN" altLang="en-US" smtClean="0"/>
               <a:t>2024/3/10</a:t>
             </a:fld>
@@ -1144,7 +1144,7 @@
           <p:cNvPr id="5" name="页脚占位符 4">
             <a:extLst>
               <a:ext uri="{FF2B5EF4-FFF2-40B4-BE49-F238E27FC236}">
-                <a16:creationId xmlns:a16="http://schemas.microsoft.com/office/drawing/2014/main" id="{90042E90-7945-E872-EDF7-8E5C9F1933EB}"/>
+                <a16:creationId xmlns:a16="http://schemas.microsoft.com/office/drawing/2014/main" id="{CC0D517A-3DC8-009F-2B08-6A8660FB09A0}"/>
               </a:ext>
             </a:extLst>
           </p:cNvPr>
@@ -1169,7 +1169,7 @@
           <p:cNvPr id="6" name="灯片编号占位符 5">
             <a:extLst>
               <a:ext uri="{FF2B5EF4-FFF2-40B4-BE49-F238E27FC236}">
-                <a16:creationId xmlns:a16="http://schemas.microsoft.com/office/drawing/2014/main" id="{38EB756C-711A-EDF1-3BA1-FEC568AACDC9}"/>
+                <a16:creationId xmlns:a16="http://schemas.microsoft.com/office/drawing/2014/main" id="{514A27E0-D855-ADE9-9D19-90FF5A0F93B8}"/>
               </a:ext>
             </a:extLst>
           </p:cNvPr>
@@ -1185,7 +1185,7 @@
           <a:bodyPr/>
           <a:lstStyle/>
           <a:p>
-            <a:fld id="{99252712-0081-449C-82B0-702DAE9626A3}" type="slidenum">
+            <a:fld id="{4D036594-B329-4EB6-917E-70AF2DA4F083}" type="slidenum">
               <a:rPr lang="zh-CN" altLang="en-US" smtClean="0"/>
               <a:t>‹#›</a:t>
             </a:fld>
@@ -1196,7 +1196,7 @@
     </p:spTree>
     <p:extLst>
       <p:ext uri="{BB962C8B-B14F-4D97-AF65-F5344CB8AC3E}">
-        <p14:creationId xmlns:p14="http://schemas.microsoft.com/office/powerpoint/2010/main" val="861455088"/>
+        <p14:creationId xmlns:p14="http://schemas.microsoft.com/office/powerpoint/2010/main" val="59478855"/>
       </p:ext>
     </p:extLst>
   </p:cSld>
@@ -1228,7 +1228,7 @@
           <p:cNvPr id="2" name="标题 1">
             <a:extLst>
               <a:ext uri="{FF2B5EF4-FFF2-40B4-BE49-F238E27FC236}">
-                <a16:creationId xmlns:a16="http://schemas.microsoft.com/office/drawing/2014/main" id="{2B7DD43D-34A3-72F9-B1F2-6C93EDB864D5}"/>
+                <a16:creationId xmlns:a16="http://schemas.microsoft.com/office/drawing/2014/main" id="{2B401055-AD42-83BF-53DA-960EE9B62C01}"/>
               </a:ext>
             </a:extLst>
           </p:cNvPr>
@@ -1256,7 +1256,7 @@
           <p:cNvPr id="3" name="内容占位符 2">
             <a:extLst>
               <a:ext uri="{FF2B5EF4-FFF2-40B4-BE49-F238E27FC236}">
-                <a16:creationId xmlns:a16="http://schemas.microsoft.com/office/drawing/2014/main" id="{062D120F-26BD-081F-2790-23FD0A7B7811}"/>
+                <a16:creationId xmlns:a16="http://schemas.microsoft.com/office/drawing/2014/main" id="{5063F98E-58AA-9F77-715D-4BEE8B4A04D9}"/>
               </a:ext>
             </a:extLst>
           </p:cNvPr>
@@ -1318,7 +1318,7 @@
           <p:cNvPr id="4" name="内容占位符 3">
             <a:extLst>
               <a:ext uri="{FF2B5EF4-FFF2-40B4-BE49-F238E27FC236}">
-                <a16:creationId xmlns:a16="http://schemas.microsoft.com/office/drawing/2014/main" id="{74D5D031-D0CC-6D3C-9C66-86A2DEC9DAAB}"/>
+                <a16:creationId xmlns:a16="http://schemas.microsoft.com/office/drawing/2014/main" id="{9AACE813-6240-42C2-DEDC-6EE47A851F3B}"/>
               </a:ext>
             </a:extLst>
           </p:cNvPr>
@@ -1380,7 +1380,7 @@
           <p:cNvPr id="5" name="日期占位符 4">
             <a:extLst>
               <a:ext uri="{FF2B5EF4-FFF2-40B4-BE49-F238E27FC236}">
-                <a16:creationId xmlns:a16="http://schemas.microsoft.com/office/drawing/2014/main" id="{A21AA682-5BED-7DA5-1355-AF0C5CF35C13}"/>
+                <a16:creationId xmlns:a16="http://schemas.microsoft.com/office/drawing/2014/main" id="{3C9C6F30-3890-E207-9F7A-53E5A4D8AF13}"/>
               </a:ext>
             </a:extLst>
           </p:cNvPr>
@@ -1396,7 +1396,7 @@
           <a:bodyPr/>
           <a:lstStyle/>
           <a:p>
-            <a:fld id="{DBA37428-93A1-4958-BB02-7785E520D01C}" type="datetimeFigureOut">
+            <a:fld id="{C7AA074F-4BC7-45D2-8BB5-7189F6C0EE72}" type="datetimeFigureOut">
               <a:rPr lang="zh-CN" altLang="en-US" smtClean="0"/>
               <a:t>2024/3/10</a:t>
             </a:fld>
@@ -1409,7 +1409,7 @@
           <p:cNvPr id="6" name="页脚占位符 5">
             <a:extLst>
               <a:ext uri="{FF2B5EF4-FFF2-40B4-BE49-F238E27FC236}">
-                <a16:creationId xmlns:a16="http://schemas.microsoft.com/office/drawing/2014/main" id="{1F5A7347-5F35-B732-33EB-5DAAF5CB3D6F}"/>
+                <a16:creationId xmlns:a16="http://schemas.microsoft.com/office/drawing/2014/main" id="{6219C993-A6B8-C4E0-5F2B-CB87FF3C3C58}"/>
               </a:ext>
             </a:extLst>
           </p:cNvPr>
@@ -1434,7 +1434,7 @@
           <p:cNvPr id="7" name="灯片编号占位符 6">
             <a:extLst>
               <a:ext uri="{FF2B5EF4-FFF2-40B4-BE49-F238E27FC236}">
-                <a16:creationId xmlns:a16="http://schemas.microsoft.com/office/drawing/2014/main" id="{E3D2E641-02F6-E1CA-0C68-5E2851AB1BFE}"/>
+                <a16:creationId xmlns:a16="http://schemas.microsoft.com/office/drawing/2014/main" id="{B93EA2CB-D4E8-E5C7-DDDC-F2894018C7D3}"/>
               </a:ext>
             </a:extLst>
           </p:cNvPr>
@@ -1450,7 +1450,7 @@
           <a:bodyPr/>
           <a:lstStyle/>
           <a:p>
-            <a:fld id="{99252712-0081-449C-82B0-702DAE9626A3}" type="slidenum">
+            <a:fld id="{4D036594-B329-4EB6-917E-70AF2DA4F083}" type="slidenum">
               <a:rPr lang="zh-CN" altLang="en-US" smtClean="0"/>
               <a:t>‹#›</a:t>
             </a:fld>
@@ -1461,7 +1461,7 @@
     </p:spTree>
     <p:extLst>
       <p:ext uri="{BB962C8B-B14F-4D97-AF65-F5344CB8AC3E}">
-        <p14:creationId xmlns:p14="http://schemas.microsoft.com/office/powerpoint/2010/main" val="3432932170"/>
+        <p14:creationId xmlns:p14="http://schemas.microsoft.com/office/powerpoint/2010/main" val="629455800"/>
       </p:ext>
     </p:extLst>
   </p:cSld>
@@ -1493,7 +1493,7 @@
           <p:cNvPr id="2" name="标题 1">
             <a:extLst>
               <a:ext uri="{FF2B5EF4-FFF2-40B4-BE49-F238E27FC236}">
-                <a16:creationId xmlns:a16="http://schemas.microsoft.com/office/drawing/2014/main" id="{A06A2197-F492-ADD2-3170-52F9ACB58910}"/>
+                <a16:creationId xmlns:a16="http://schemas.microsoft.com/office/drawing/2014/main" id="{8E23F85E-8B19-66EB-FE26-CC20408BCA8B}"/>
               </a:ext>
             </a:extLst>
           </p:cNvPr>
@@ -1526,7 +1526,7 @@
           <p:cNvPr id="3" name="文本占位符 2">
             <a:extLst>
               <a:ext uri="{FF2B5EF4-FFF2-40B4-BE49-F238E27FC236}">
-                <a16:creationId xmlns:a16="http://schemas.microsoft.com/office/drawing/2014/main" id="{CFB05CD6-E7D7-926B-04B8-5DD2268C2A06}"/>
+                <a16:creationId xmlns:a16="http://schemas.microsoft.com/office/drawing/2014/main" id="{B9F3924A-EDE5-63EE-4333-5CF53ED9EBEE}"/>
               </a:ext>
             </a:extLst>
           </p:cNvPr>
@@ -1597,7 +1597,7 @@
           <p:cNvPr id="4" name="内容占位符 3">
             <a:extLst>
               <a:ext uri="{FF2B5EF4-FFF2-40B4-BE49-F238E27FC236}">
-                <a16:creationId xmlns:a16="http://schemas.microsoft.com/office/drawing/2014/main" id="{366E5ECD-4767-7F34-6009-3E239E52A874}"/>
+                <a16:creationId xmlns:a16="http://schemas.microsoft.com/office/drawing/2014/main" id="{1A76BA2B-BED2-37A9-AE10-EDC37A2DCFEA}"/>
               </a:ext>
             </a:extLst>
           </p:cNvPr>
@@ -1659,7 +1659,7 @@
           <p:cNvPr id="5" name="文本占位符 4">
             <a:extLst>
               <a:ext uri="{FF2B5EF4-FFF2-40B4-BE49-F238E27FC236}">
-                <a16:creationId xmlns:a16="http://schemas.microsoft.com/office/drawing/2014/main" id="{CFF98BC8-A553-6EC1-B2E1-65BA4591533E}"/>
+                <a16:creationId xmlns:a16="http://schemas.microsoft.com/office/drawing/2014/main" id="{D68A71AB-1FBE-A9D8-BA67-5A022C0159F2}"/>
               </a:ext>
             </a:extLst>
           </p:cNvPr>
@@ -1730,7 +1730,7 @@
           <p:cNvPr id="6" name="内容占位符 5">
             <a:extLst>
               <a:ext uri="{FF2B5EF4-FFF2-40B4-BE49-F238E27FC236}">
-                <a16:creationId xmlns:a16="http://schemas.microsoft.com/office/drawing/2014/main" id="{444BFAC0-83F7-1CA0-1074-3DCEC1A35A4D}"/>
+                <a16:creationId xmlns:a16="http://schemas.microsoft.com/office/drawing/2014/main" id="{21E3BD91-91C5-3C15-803B-8A51052632E8}"/>
               </a:ext>
             </a:extLst>
           </p:cNvPr>
@@ -1792,7 +1792,7 @@
           <p:cNvPr id="7" name="日期占位符 6">
             <a:extLst>
               <a:ext uri="{FF2B5EF4-FFF2-40B4-BE49-F238E27FC236}">
-                <a16:creationId xmlns:a16="http://schemas.microsoft.com/office/drawing/2014/main" id="{E4B70E0B-DA3F-42DE-6721-23A3E873723D}"/>
+                <a16:creationId xmlns:a16="http://schemas.microsoft.com/office/drawing/2014/main" id="{1CB0002E-CDD8-E89E-D04C-DD7ECD591221}"/>
               </a:ext>
             </a:extLst>
           </p:cNvPr>
@@ -1808,7 +1808,7 @@
           <a:bodyPr/>
           <a:lstStyle/>
           <a:p>
-            <a:fld id="{DBA37428-93A1-4958-BB02-7785E520D01C}" type="datetimeFigureOut">
+            <a:fld id="{C7AA074F-4BC7-45D2-8BB5-7189F6C0EE72}" type="datetimeFigureOut">
               <a:rPr lang="zh-CN" altLang="en-US" smtClean="0"/>
               <a:t>2024/3/10</a:t>
             </a:fld>
@@ -1821,7 +1821,7 @@
           <p:cNvPr id="8" name="页脚占位符 7">
             <a:extLst>
               <a:ext uri="{FF2B5EF4-FFF2-40B4-BE49-F238E27FC236}">
-                <a16:creationId xmlns:a16="http://schemas.microsoft.com/office/drawing/2014/main" id="{0404DEB0-894D-C8AE-247F-D024E204DE5D}"/>
+                <a16:creationId xmlns:a16="http://schemas.microsoft.com/office/drawing/2014/main" id="{CA3D4100-2A22-5756-48CD-B165CFD3E3F7}"/>
               </a:ext>
             </a:extLst>
           </p:cNvPr>
@@ -1846,7 +1846,7 @@
           <p:cNvPr id="9" name="灯片编号占位符 8">
             <a:extLst>
               <a:ext uri="{FF2B5EF4-FFF2-40B4-BE49-F238E27FC236}">
-                <a16:creationId xmlns:a16="http://schemas.microsoft.com/office/drawing/2014/main" id="{ADF4F056-8351-A57D-D7E6-E36F385F1224}"/>
+                <a16:creationId xmlns:a16="http://schemas.microsoft.com/office/drawing/2014/main" id="{2E2E4AAA-8D67-58E7-D7B4-90CFFE44A162}"/>
               </a:ext>
             </a:extLst>
           </p:cNvPr>
@@ -1862,7 +1862,7 @@
           <a:bodyPr/>
           <a:lstStyle/>
           <a:p>
-            <a:fld id="{99252712-0081-449C-82B0-702DAE9626A3}" type="slidenum">
+            <a:fld id="{4D036594-B329-4EB6-917E-70AF2DA4F083}" type="slidenum">
               <a:rPr lang="zh-CN" altLang="en-US" smtClean="0"/>
               <a:t>‹#›</a:t>
             </a:fld>
@@ -1873,7 +1873,7 @@
     </p:spTree>
     <p:extLst>
       <p:ext uri="{BB962C8B-B14F-4D97-AF65-F5344CB8AC3E}">
-        <p14:creationId xmlns:p14="http://schemas.microsoft.com/office/powerpoint/2010/main" val="1407661387"/>
+        <p14:creationId xmlns:p14="http://schemas.microsoft.com/office/powerpoint/2010/main" val="2155466132"/>
       </p:ext>
     </p:extLst>
   </p:cSld>
@@ -1905,7 +1905,7 @@
           <p:cNvPr id="2" name="标题 1">
             <a:extLst>
               <a:ext uri="{FF2B5EF4-FFF2-40B4-BE49-F238E27FC236}">
-                <a16:creationId xmlns:a16="http://schemas.microsoft.com/office/drawing/2014/main" id="{0B86A82F-56C0-37E3-A012-A0A7D7803AF7}"/>
+                <a16:creationId xmlns:a16="http://schemas.microsoft.com/office/drawing/2014/main" id="{F1CA6DAF-43AC-083F-A54D-9C67E09F59B9}"/>
               </a:ext>
             </a:extLst>
           </p:cNvPr>
@@ -1933,7 +1933,7 @@
           <p:cNvPr id="3" name="日期占位符 2">
             <a:extLst>
               <a:ext uri="{FF2B5EF4-FFF2-40B4-BE49-F238E27FC236}">
-                <a16:creationId xmlns:a16="http://schemas.microsoft.com/office/drawing/2014/main" id="{BD33AA91-E006-11D7-5530-EC2585CBBC28}"/>
+                <a16:creationId xmlns:a16="http://schemas.microsoft.com/office/drawing/2014/main" id="{03DAEADE-4DF8-D10D-9F52-947A73194539}"/>
               </a:ext>
             </a:extLst>
           </p:cNvPr>
@@ -1949,7 +1949,7 @@
           <a:bodyPr/>
           <a:lstStyle/>
           <a:p>
-            <a:fld id="{DBA37428-93A1-4958-BB02-7785E520D01C}" type="datetimeFigureOut">
+            <a:fld id="{C7AA074F-4BC7-45D2-8BB5-7189F6C0EE72}" type="datetimeFigureOut">
               <a:rPr lang="zh-CN" altLang="en-US" smtClean="0"/>
               <a:t>2024/3/10</a:t>
             </a:fld>
@@ -1962,7 +1962,7 @@
           <p:cNvPr id="4" name="页脚占位符 3">
             <a:extLst>
               <a:ext uri="{FF2B5EF4-FFF2-40B4-BE49-F238E27FC236}">
-                <a16:creationId xmlns:a16="http://schemas.microsoft.com/office/drawing/2014/main" id="{9643BC48-660A-0B59-CD60-9D790322C391}"/>
+                <a16:creationId xmlns:a16="http://schemas.microsoft.com/office/drawing/2014/main" id="{82C4FBC5-2D4C-16B8-5B11-CA241B0994CE}"/>
               </a:ext>
             </a:extLst>
           </p:cNvPr>
@@ -1987,7 +1987,7 @@
           <p:cNvPr id="5" name="灯片编号占位符 4">
             <a:extLst>
               <a:ext uri="{FF2B5EF4-FFF2-40B4-BE49-F238E27FC236}">
-                <a16:creationId xmlns:a16="http://schemas.microsoft.com/office/drawing/2014/main" id="{CE6B82E5-F148-B729-D10C-8C56793C8EB5}"/>
+                <a16:creationId xmlns:a16="http://schemas.microsoft.com/office/drawing/2014/main" id="{59404D70-CA55-2B9F-0365-E06E4BB42B64}"/>
               </a:ext>
             </a:extLst>
           </p:cNvPr>
@@ -2003,7 +2003,7 @@
           <a:bodyPr/>
           <a:lstStyle/>
           <a:p>
-            <a:fld id="{99252712-0081-449C-82B0-702DAE9626A3}" type="slidenum">
+            <a:fld id="{4D036594-B329-4EB6-917E-70AF2DA4F083}" type="slidenum">
               <a:rPr lang="zh-CN" altLang="en-US" smtClean="0"/>
               <a:t>‹#›</a:t>
             </a:fld>
@@ -2014,7 +2014,7 @@
     </p:spTree>
     <p:extLst>
       <p:ext uri="{BB962C8B-B14F-4D97-AF65-F5344CB8AC3E}">
-        <p14:creationId xmlns:p14="http://schemas.microsoft.com/office/powerpoint/2010/main" val="3514086909"/>
+        <p14:creationId xmlns:p14="http://schemas.microsoft.com/office/powerpoint/2010/main" val="3457619784"/>
       </p:ext>
     </p:extLst>
   </p:cSld>
@@ -2046,7 +2046,7 @@
           <p:cNvPr id="2" name="日期占位符 1">
             <a:extLst>
               <a:ext uri="{FF2B5EF4-FFF2-40B4-BE49-F238E27FC236}">
-                <a16:creationId xmlns:a16="http://schemas.microsoft.com/office/drawing/2014/main" id="{8F78F4E6-E99F-EDB2-852B-2F31D0CCCE4D}"/>
+                <a16:creationId xmlns:a16="http://schemas.microsoft.com/office/drawing/2014/main" id="{050051ED-BE82-3C04-75C7-79C8E82E40A0}"/>
               </a:ext>
             </a:extLst>
           </p:cNvPr>
@@ -2062,7 +2062,7 @@
           <a:bodyPr/>
           <a:lstStyle/>
           <a:p>
-            <a:fld id="{DBA37428-93A1-4958-BB02-7785E520D01C}" type="datetimeFigureOut">
+            <a:fld id="{C7AA074F-4BC7-45D2-8BB5-7189F6C0EE72}" type="datetimeFigureOut">
               <a:rPr lang="zh-CN" altLang="en-US" smtClean="0"/>
               <a:t>2024/3/10</a:t>
             </a:fld>
@@ -2075,7 +2075,7 @@
           <p:cNvPr id="3" name="页脚占位符 2">
             <a:extLst>
               <a:ext uri="{FF2B5EF4-FFF2-40B4-BE49-F238E27FC236}">
-                <a16:creationId xmlns:a16="http://schemas.microsoft.com/office/drawing/2014/main" id="{A33F02F5-A9D7-74B3-0B08-CBD70A8E60A6}"/>
+                <a16:creationId xmlns:a16="http://schemas.microsoft.com/office/drawing/2014/main" id="{7C04E833-EAD4-8092-8B28-D152CF08FC5E}"/>
               </a:ext>
             </a:extLst>
           </p:cNvPr>
@@ -2100,7 +2100,7 @@
           <p:cNvPr id="4" name="灯片编号占位符 3">
             <a:extLst>
               <a:ext uri="{FF2B5EF4-FFF2-40B4-BE49-F238E27FC236}">
-                <a16:creationId xmlns:a16="http://schemas.microsoft.com/office/drawing/2014/main" id="{EFA8E587-D236-AE39-AC6D-490C7BC4B397}"/>
+                <a16:creationId xmlns:a16="http://schemas.microsoft.com/office/drawing/2014/main" id="{8017C474-8052-AC24-FFA9-961B18EE6768}"/>
               </a:ext>
             </a:extLst>
           </p:cNvPr>
@@ -2116,7 +2116,7 @@
           <a:bodyPr/>
           <a:lstStyle/>
           <a:p>
-            <a:fld id="{99252712-0081-449C-82B0-702DAE9626A3}" type="slidenum">
+            <a:fld id="{4D036594-B329-4EB6-917E-70AF2DA4F083}" type="slidenum">
               <a:rPr lang="zh-CN" altLang="en-US" smtClean="0"/>
               <a:t>‹#›</a:t>
             </a:fld>
@@ -2127,7 +2127,7 @@
     </p:spTree>
     <p:extLst>
       <p:ext uri="{BB962C8B-B14F-4D97-AF65-F5344CB8AC3E}">
-        <p14:creationId xmlns:p14="http://schemas.microsoft.com/office/powerpoint/2010/main" val="1712393821"/>
+        <p14:creationId xmlns:p14="http://schemas.microsoft.com/office/powerpoint/2010/main" val="2309507149"/>
       </p:ext>
     </p:extLst>
   </p:cSld>
@@ -2159,7 +2159,7 @@
           <p:cNvPr id="2" name="标题 1">
             <a:extLst>
               <a:ext uri="{FF2B5EF4-FFF2-40B4-BE49-F238E27FC236}">
-                <a16:creationId xmlns:a16="http://schemas.microsoft.com/office/drawing/2014/main" id="{9D2F4653-34DB-285C-116C-1E6C3947C7F7}"/>
+                <a16:creationId xmlns:a16="http://schemas.microsoft.com/office/drawing/2014/main" id="{7C5C53AF-B807-8532-E74F-FA3ED09D796E}"/>
               </a:ext>
             </a:extLst>
           </p:cNvPr>
@@ -2196,7 +2196,7 @@
           <p:cNvPr id="3" name="内容占位符 2">
             <a:extLst>
               <a:ext uri="{FF2B5EF4-FFF2-40B4-BE49-F238E27FC236}">
-                <a16:creationId xmlns:a16="http://schemas.microsoft.com/office/drawing/2014/main" id="{70177869-F306-EB69-9A8F-3D714F5AD844}"/>
+                <a16:creationId xmlns:a16="http://schemas.microsoft.com/office/drawing/2014/main" id="{8DC3B60F-386E-699D-B33F-EDC5470E9306}"/>
               </a:ext>
             </a:extLst>
           </p:cNvPr>
@@ -2286,7 +2286,7 @@
           <p:cNvPr id="4" name="文本占位符 3">
             <a:extLst>
               <a:ext uri="{FF2B5EF4-FFF2-40B4-BE49-F238E27FC236}">
-                <a16:creationId xmlns:a16="http://schemas.microsoft.com/office/drawing/2014/main" id="{98382902-ED27-FACC-186C-F3FAAEC72268}"/>
+                <a16:creationId xmlns:a16="http://schemas.microsoft.com/office/drawing/2014/main" id="{EE38845E-71F8-2466-A982-9D55876A21C5}"/>
               </a:ext>
             </a:extLst>
           </p:cNvPr>
@@ -2357,7 +2357,7 @@
           <p:cNvPr id="5" name="日期占位符 4">
             <a:extLst>
               <a:ext uri="{FF2B5EF4-FFF2-40B4-BE49-F238E27FC236}">
-                <a16:creationId xmlns:a16="http://schemas.microsoft.com/office/drawing/2014/main" id="{AD975D3A-8470-3143-B708-26AA58F664C7}"/>
+                <a16:creationId xmlns:a16="http://schemas.microsoft.com/office/drawing/2014/main" id="{E136221B-EE8E-1DB5-E0A1-CEE894001923}"/>
               </a:ext>
             </a:extLst>
           </p:cNvPr>
@@ -2373,7 +2373,7 @@
           <a:bodyPr/>
           <a:lstStyle/>
           <a:p>
-            <a:fld id="{DBA37428-93A1-4958-BB02-7785E520D01C}" type="datetimeFigureOut">
+            <a:fld id="{C7AA074F-4BC7-45D2-8BB5-7189F6C0EE72}" type="datetimeFigureOut">
               <a:rPr lang="zh-CN" altLang="en-US" smtClean="0"/>
               <a:t>2024/3/10</a:t>
             </a:fld>
@@ -2386,7 +2386,7 @@
           <p:cNvPr id="6" name="页脚占位符 5">
             <a:extLst>
               <a:ext uri="{FF2B5EF4-FFF2-40B4-BE49-F238E27FC236}">
-                <a16:creationId xmlns:a16="http://schemas.microsoft.com/office/drawing/2014/main" id="{59E50943-4658-9824-4C76-6C13D5F183F8}"/>
+                <a16:creationId xmlns:a16="http://schemas.microsoft.com/office/drawing/2014/main" id="{C6B0E913-DA9E-5D60-F235-6D08D8219911}"/>
               </a:ext>
             </a:extLst>
           </p:cNvPr>
@@ -2411,7 +2411,7 @@
           <p:cNvPr id="7" name="灯片编号占位符 6">
             <a:extLst>
               <a:ext uri="{FF2B5EF4-FFF2-40B4-BE49-F238E27FC236}">
-                <a16:creationId xmlns:a16="http://schemas.microsoft.com/office/drawing/2014/main" id="{89B07629-BC73-611C-4D99-739AEA019517}"/>
+                <a16:creationId xmlns:a16="http://schemas.microsoft.com/office/drawing/2014/main" id="{17D42B5C-3A9F-7B7C-D9CF-B0FD161A3038}"/>
               </a:ext>
             </a:extLst>
           </p:cNvPr>
@@ -2427,7 +2427,7 @@
           <a:bodyPr/>
           <a:lstStyle/>
           <a:p>
-            <a:fld id="{99252712-0081-449C-82B0-702DAE9626A3}" type="slidenum">
+            <a:fld id="{4D036594-B329-4EB6-917E-70AF2DA4F083}" type="slidenum">
               <a:rPr lang="zh-CN" altLang="en-US" smtClean="0"/>
               <a:t>‹#›</a:t>
             </a:fld>
@@ -2438,7 +2438,7 @@
     </p:spTree>
     <p:extLst>
       <p:ext uri="{BB962C8B-B14F-4D97-AF65-F5344CB8AC3E}">
-        <p14:creationId xmlns:p14="http://schemas.microsoft.com/office/powerpoint/2010/main" val="4195110767"/>
+        <p14:creationId xmlns:p14="http://schemas.microsoft.com/office/powerpoint/2010/main" val="3214713909"/>
       </p:ext>
     </p:extLst>
   </p:cSld>
@@ -2470,7 +2470,7 @@
           <p:cNvPr id="2" name="标题 1">
             <a:extLst>
               <a:ext uri="{FF2B5EF4-FFF2-40B4-BE49-F238E27FC236}">
-                <a16:creationId xmlns:a16="http://schemas.microsoft.com/office/drawing/2014/main" id="{935A80E1-8D34-FDA0-9AA9-465AC4120D7D}"/>
+                <a16:creationId xmlns:a16="http://schemas.microsoft.com/office/drawing/2014/main" id="{0DDC88B3-2D4C-7F03-0DFE-34402D408E74}"/>
               </a:ext>
             </a:extLst>
           </p:cNvPr>
@@ -2507,7 +2507,7 @@
           <p:cNvPr id="3" name="图片占位符 2">
             <a:extLst>
               <a:ext uri="{FF2B5EF4-FFF2-40B4-BE49-F238E27FC236}">
-                <a16:creationId xmlns:a16="http://schemas.microsoft.com/office/drawing/2014/main" id="{C49F92B2-816B-AC1E-80C0-9311B6A2D7E3}"/>
+                <a16:creationId xmlns:a16="http://schemas.microsoft.com/office/drawing/2014/main" id="{13F21F35-840E-303F-8F5D-AFB462B8755B}"/>
               </a:ext>
             </a:extLst>
           </p:cNvPr>
@@ -2574,7 +2574,7 @@
           <p:cNvPr id="4" name="文本占位符 3">
             <a:extLst>
               <a:ext uri="{FF2B5EF4-FFF2-40B4-BE49-F238E27FC236}">
-                <a16:creationId xmlns:a16="http://schemas.microsoft.com/office/drawing/2014/main" id="{9B0425AD-DA3D-84F4-7DFC-5E56F2C19F07}"/>
+                <a16:creationId xmlns:a16="http://schemas.microsoft.com/office/drawing/2014/main" id="{2C18D877-00E4-81DB-4427-A0ED6B8B03AA}"/>
               </a:ext>
             </a:extLst>
           </p:cNvPr>
@@ -2645,7 +2645,7 @@
           <p:cNvPr id="5" name="日期占位符 4">
             <a:extLst>
               <a:ext uri="{FF2B5EF4-FFF2-40B4-BE49-F238E27FC236}">
-                <a16:creationId xmlns:a16="http://schemas.microsoft.com/office/drawing/2014/main" id="{B794F5CD-476B-FB59-2EDC-4F77A379C575}"/>
+                <a16:creationId xmlns:a16="http://schemas.microsoft.com/office/drawing/2014/main" id="{85EDBF88-DC67-7933-CC52-9F739DCD072E}"/>
               </a:ext>
             </a:extLst>
           </p:cNvPr>
@@ -2661,7 +2661,7 @@
           <a:bodyPr/>
           <a:lstStyle/>
           <a:p>
-            <a:fld id="{DBA37428-93A1-4958-BB02-7785E520D01C}" type="datetimeFigureOut">
+            <a:fld id="{C7AA074F-4BC7-45D2-8BB5-7189F6C0EE72}" type="datetimeFigureOut">
               <a:rPr lang="zh-CN" altLang="en-US" smtClean="0"/>
               <a:t>2024/3/10</a:t>
             </a:fld>
@@ -2674,7 +2674,7 @@
           <p:cNvPr id="6" name="页脚占位符 5">
             <a:extLst>
               <a:ext uri="{FF2B5EF4-FFF2-40B4-BE49-F238E27FC236}">
-                <a16:creationId xmlns:a16="http://schemas.microsoft.com/office/drawing/2014/main" id="{78A63325-4165-1A1C-65AD-AD2E5EFC951E}"/>
+                <a16:creationId xmlns:a16="http://schemas.microsoft.com/office/drawing/2014/main" id="{C1CB1266-0624-0144-78A7-064353BC23E1}"/>
               </a:ext>
             </a:extLst>
           </p:cNvPr>
@@ -2699,7 +2699,7 @@
           <p:cNvPr id="7" name="灯片编号占位符 6">
             <a:extLst>
               <a:ext uri="{FF2B5EF4-FFF2-40B4-BE49-F238E27FC236}">
-                <a16:creationId xmlns:a16="http://schemas.microsoft.com/office/drawing/2014/main" id="{3E50A073-E8FD-64A0-93EE-F45387658D20}"/>
+                <a16:creationId xmlns:a16="http://schemas.microsoft.com/office/drawing/2014/main" id="{65169CAF-BDFC-8CE6-1460-D3B09D68B538}"/>
               </a:ext>
             </a:extLst>
           </p:cNvPr>
@@ -2715,7 +2715,7 @@
           <a:bodyPr/>
           <a:lstStyle/>
           <a:p>
-            <a:fld id="{99252712-0081-449C-82B0-702DAE9626A3}" type="slidenum">
+            <a:fld id="{4D036594-B329-4EB6-917E-70AF2DA4F083}" type="slidenum">
               <a:rPr lang="zh-CN" altLang="en-US" smtClean="0"/>
               <a:t>‹#›</a:t>
             </a:fld>
@@ -2726,7 +2726,7 @@
     </p:spTree>
     <p:extLst>
       <p:ext uri="{BB962C8B-B14F-4D97-AF65-F5344CB8AC3E}">
-        <p14:creationId xmlns:p14="http://schemas.microsoft.com/office/powerpoint/2010/main" val="1654053693"/>
+        <p14:creationId xmlns:p14="http://schemas.microsoft.com/office/powerpoint/2010/main" val="3056697964"/>
       </p:ext>
     </p:extLst>
   </p:cSld>
@@ -2763,7 +2763,7 @@
           <p:cNvPr id="2" name="标题占位符 1">
             <a:extLst>
               <a:ext uri="{FF2B5EF4-FFF2-40B4-BE49-F238E27FC236}">
-                <a16:creationId xmlns:a16="http://schemas.microsoft.com/office/drawing/2014/main" id="{0AF39468-4763-4E0A-9C97-F10781567EC5}"/>
+                <a16:creationId xmlns:a16="http://schemas.microsoft.com/office/drawing/2014/main" id="{2009AA0F-61A4-D102-2058-F6662BCF7EE2}"/>
               </a:ext>
             </a:extLst>
           </p:cNvPr>
@@ -2801,7 +2801,7 @@
           <p:cNvPr id="3" name="文本占位符 2">
             <a:extLst>
               <a:ext uri="{FF2B5EF4-FFF2-40B4-BE49-F238E27FC236}">
-                <a16:creationId xmlns:a16="http://schemas.microsoft.com/office/drawing/2014/main" id="{ACE7B707-72A0-4E70-8A92-0197CEE76A16}"/>
+                <a16:creationId xmlns:a16="http://schemas.microsoft.com/office/drawing/2014/main" id="{D63BB747-6F22-651C-E5DC-A4137977F6B4}"/>
               </a:ext>
             </a:extLst>
           </p:cNvPr>
@@ -2868,7 +2868,7 @@
           <p:cNvPr id="4" name="日期占位符 3">
             <a:extLst>
               <a:ext uri="{FF2B5EF4-FFF2-40B4-BE49-F238E27FC236}">
-                <a16:creationId xmlns:a16="http://schemas.microsoft.com/office/drawing/2014/main" id="{35ABA0B1-0328-DFF9-02B5-4B942FC53292}"/>
+                <a16:creationId xmlns:a16="http://schemas.microsoft.com/office/drawing/2014/main" id="{E5209DA5-5803-EBB3-DB2D-E8885B987212}"/>
               </a:ext>
             </a:extLst>
           </p:cNvPr>
@@ -2902,7 +2902,7 @@
             </a:lvl1pPr>
           </a:lstStyle>
           <a:p>
-            <a:fld id="{DBA37428-93A1-4958-BB02-7785E520D01C}" type="datetimeFigureOut">
+            <a:fld id="{C7AA074F-4BC7-45D2-8BB5-7189F6C0EE72}" type="datetimeFigureOut">
               <a:rPr lang="zh-CN" altLang="en-US" smtClean="0"/>
               <a:t>2024/3/10</a:t>
             </a:fld>
@@ -2915,7 +2915,7 @@
           <p:cNvPr id="5" name="页脚占位符 4">
             <a:extLst>
               <a:ext uri="{FF2B5EF4-FFF2-40B4-BE49-F238E27FC236}">
-                <a16:creationId xmlns:a16="http://schemas.microsoft.com/office/drawing/2014/main" id="{FABE02BB-1E20-F65F-717A-F159C07935D5}"/>
+                <a16:creationId xmlns:a16="http://schemas.microsoft.com/office/drawing/2014/main" id="{F9C810A3-B1C1-F61A-7919-2F8CF2952DB1}"/>
               </a:ext>
             </a:extLst>
           </p:cNvPr>
@@ -2958,7 +2958,7 @@
           <p:cNvPr id="6" name="灯片编号占位符 5">
             <a:extLst>
               <a:ext uri="{FF2B5EF4-FFF2-40B4-BE49-F238E27FC236}">
-                <a16:creationId xmlns:a16="http://schemas.microsoft.com/office/drawing/2014/main" id="{FCB0DA6B-8B51-090D-39E8-7E323E14341B}"/>
+                <a16:creationId xmlns:a16="http://schemas.microsoft.com/office/drawing/2014/main" id="{61AD36D3-ADF8-0A17-B037-E6A305874964}"/>
               </a:ext>
             </a:extLst>
           </p:cNvPr>
@@ -2992,7 +2992,7 @@
             </a:lvl1pPr>
           </a:lstStyle>
           <a:p>
-            <a:fld id="{99252712-0081-449C-82B0-702DAE9626A3}" type="slidenum">
+            <a:fld id="{4D036594-B329-4EB6-917E-70AF2DA4F083}" type="slidenum">
               <a:rPr lang="zh-CN" altLang="en-US" smtClean="0"/>
               <a:t>‹#›</a:t>
             </a:fld>
@@ -3003,7 +3003,7 @@
     </p:spTree>
     <p:extLst>
       <p:ext uri="{BB962C8B-B14F-4D97-AF65-F5344CB8AC3E}">
-        <p14:creationId xmlns:p14="http://schemas.microsoft.com/office/powerpoint/2010/main" val="2347486582"/>
+        <p14:creationId xmlns:p14="http://schemas.microsoft.com/office/powerpoint/2010/main" val="1917156362"/>
       </p:ext>
     </p:extLst>
   </p:cSld>
@@ -3321,9 +3321,49 @@
           <a:chExt cx="0" cy="0"/>
         </a:xfrm>
       </p:grpSpPr>
+      <p:sp>
+        <p:nvSpPr>
+          <p:cNvPr id="629762" name="Rectangle 2"/>
+          <p:cNvSpPr>
+            <a:spLocks noGrp="1" noChangeArrowheads="1"/>
+          </p:cNvSpPr>
+          <p:nvPr>
+            <p:ph type="title"/>
+          </p:nvPr>
+        </p:nvSpPr>
+        <p:spPr/>
+        <p:txBody>
+          <a:bodyPr/>
+          <a:lstStyle/>
+          <a:p>
+            <a:pPr eaLnBrk="1" hangingPunct="1"/>
+            <a:endParaRPr lang="zh-CN" altLang="zh-CN"/>
+          </a:p>
+        </p:txBody>
+      </p:sp>
+      <p:sp>
+        <p:nvSpPr>
+          <p:cNvPr id="629763" name="Rectangle 3"/>
+          <p:cNvSpPr>
+            <a:spLocks noGrp="1" noChangeArrowheads="1"/>
+          </p:cNvSpPr>
+          <p:nvPr>
+            <p:ph type="body" idx="1"/>
+          </p:nvPr>
+        </p:nvSpPr>
+        <p:spPr/>
+        <p:txBody>
+          <a:bodyPr/>
+          <a:lstStyle/>
+          <a:p>
+            <a:pPr eaLnBrk="1" hangingPunct="1"/>
+            <a:endParaRPr lang="zh-CN" altLang="zh-CN"/>
+          </a:p>
+        </p:txBody>
+      </p:sp>
       <p:pic>
         <p:nvPicPr>
-          <p:cNvPr id="628738" name="Picture 2" descr="613"/>
+          <p:cNvPr id="629764" name="Picture 4" descr="614"/>
           <p:cNvPicPr>
             <a:picLocks noChangeAspect="1" noChangeArrowheads="1"/>
           </p:cNvPicPr>
@@ -3344,8 +3384,62 @@
         </p:blipFill>
         <p:spPr bwMode="auto">
           <a:xfrm>
-            <a:off x="1524000" y="0"/>
-            <a:ext cx="9144000" cy="5518150"/>
+            <a:off x="1560514" y="1588"/>
+            <a:ext cx="9082087" cy="6811962"/>
+          </a:xfrm>
+          <a:prstGeom prst="rect">
+            <a:avLst/>
+          </a:prstGeom>
+          <a:noFill/>
+          <a:ln>
+            <a:noFill/>
+          </a:ln>
+          <a:extLst>
+            <a:ext uri="{909E8E84-426E-40DD-AFC4-6F175D3DCCD1}">
+              <a14:hiddenFill xmlns:a14="http://schemas.microsoft.com/office/drawing/2010/main">
+                <a:solidFill>
+                  <a:srgbClr val="FFFFFF"/>
+                </a:solidFill>
+              </a14:hiddenFill>
+            </a:ext>
+            <a:ext uri="{91240B29-F687-4F45-9708-019B960494DF}">
+              <a14:hiddenLine xmlns:a14="http://schemas.microsoft.com/office/drawing/2010/main" w="9525">
+                <a:solidFill>
+                  <a:srgbClr val="000000"/>
+                </a:solidFill>
+                <a:miter lim="800000"/>
+                <a:headEnd/>
+                <a:tailEnd/>
+              </a14:hiddenLine>
+            </a:ext>
+          </a:extLst>
+        </p:spPr>
+      </p:pic>
+      <p:pic>
+        <p:nvPicPr>
+          <p:cNvPr id="630789" name="Picture 5" descr="614-2"/>
+          <p:cNvPicPr>
+            <a:picLocks noChangeAspect="1" noChangeArrowheads="1"/>
+          </p:cNvPicPr>
+          <p:nvPr/>
+        </p:nvPicPr>
+        <p:blipFill>
+          <a:blip r:embed="rId3">
+            <a:extLst>
+              <a:ext uri="{28A0092B-C50C-407E-A947-70E740481C1C}">
+                <a14:useLocalDpi xmlns:a14="http://schemas.microsoft.com/office/drawing/2010/main" val="0"/>
+              </a:ext>
+            </a:extLst>
+          </a:blip>
+          <a:srcRect/>
+          <a:stretch>
+            <a:fillRect/>
+          </a:stretch>
+        </p:blipFill>
+        <p:spPr bwMode="auto">
+          <a:xfrm>
+            <a:off x="1560514" y="44450"/>
+            <a:ext cx="9083675" cy="6813550"/>
           </a:xfrm>
           <a:prstGeom prst="rect">
             <a:avLst/>
@@ -3380,6 +3474,89 @@
   <p:clrMapOvr>
     <a:masterClrMapping/>
   </p:clrMapOvr>
+  <p:timing>
+    <p:tnLst>
+      <p:par>
+        <p:cTn id="1" dur="indefinite" restart="never" nodeType="tmRoot">
+          <p:childTnLst>
+            <p:seq concurrent="1" nextAc="seek">
+              <p:cTn id="2" dur="indefinite" nodeType="mainSeq">
+                <p:childTnLst>
+                  <p:par>
+                    <p:cTn id="3" fill="hold" nodeType="clickPar">
+                      <p:stCondLst>
+                        <p:cond delay="indefinite"/>
+                      </p:stCondLst>
+                      <p:childTnLst>
+                        <p:par>
+                          <p:cTn id="4" fill="hold" nodeType="withGroup">
+                            <p:stCondLst>
+                              <p:cond delay="0"/>
+                            </p:stCondLst>
+                            <p:childTnLst>
+                              <p:par>
+                                <p:cTn id="5" presetID="10" presetClass="entr" presetSubtype="0" fill="hold" nodeType="clickEffect">
+                                  <p:stCondLst>
+                                    <p:cond delay="0"/>
+                                  </p:stCondLst>
+                                  <p:childTnLst>
+                                    <p:set>
+                                      <p:cBhvr>
+                                        <p:cTn id="6" dur="1" fill="hold">
+                                          <p:stCondLst>
+                                            <p:cond delay="0"/>
+                                          </p:stCondLst>
+                                        </p:cTn>
+                                        <p:tgtEl>
+                                          <p:spTgt spid="630789"/>
+                                        </p:tgtEl>
+                                        <p:attrNameLst>
+                                          <p:attrName>style.visibility</p:attrName>
+                                        </p:attrNameLst>
+                                      </p:cBhvr>
+                                      <p:to>
+                                        <p:strVal val="visible"/>
+                                      </p:to>
+                                    </p:set>
+                                    <p:animEffect transition="in" filter="fade">
+                                      <p:cBhvr>
+                                        <p:cTn id="7" dur="500"/>
+                                        <p:tgtEl>
+                                          <p:spTgt spid="630789"/>
+                                        </p:tgtEl>
+                                      </p:cBhvr>
+                                    </p:animEffect>
+                                  </p:childTnLst>
+                                </p:cTn>
+                              </p:par>
+                            </p:childTnLst>
+                          </p:cTn>
+                        </p:par>
+                      </p:childTnLst>
+                    </p:cTn>
+                  </p:par>
+                </p:childTnLst>
+              </p:cTn>
+              <p:prevCondLst>
+                <p:cond evt="onPrev" delay="0">
+                  <p:tgtEl>
+                    <p:sldTgt/>
+                  </p:tgtEl>
+                </p:cond>
+              </p:prevCondLst>
+              <p:nextCondLst>
+                <p:cond evt="onNext" delay="0">
+                  <p:tgtEl>
+                    <p:sldTgt/>
+                  </p:tgtEl>
+                </p:cond>
+              </p:nextCondLst>
+            </p:seq>
+          </p:childTnLst>
+        </p:cTn>
+      </p:par>
+    </p:tnLst>
+  </p:timing>
 </p:sld>
 </file>
 
